--- a/ppt 16-9/1413.全副军装.pptx
+++ b/ppt 16-9/1413.全副军装.pptx
@@ -5,7 +5,7 @@
     <p:sldMasterId id="2147483648" r:id="rId1"/>
   </p:sldMasterIdLst>
   <p:sldIdLst>
-    <p:sldId id="984" r:id="rId2"/>
+    <p:sldId id="985" r:id="rId2"/>
   </p:sldIdLst>
   <p:sldSz cx="12192000" cy="6858000"/>
   <p:notesSz cx="6858000" cy="9144000"/>
@@ -129,7 +129,7 @@
           <p:cNvPr id="2" name="标题 1">
             <a:extLst>
               <a:ext uri="{FF2B5EF4-FFF2-40B4-BE49-F238E27FC236}">
-                <a16:creationId xmlns:a16="http://schemas.microsoft.com/office/drawing/2014/main" id="{0E7FAE4D-85F6-39C7-362F-F764AD32A30B}"/>
+                <a16:creationId xmlns:a16="http://schemas.microsoft.com/office/drawing/2014/main" id="{EB2EE3EE-11D4-4B39-4D90-EBDC98CF0931}"/>
               </a:ext>
             </a:extLst>
           </p:cNvPr>
@@ -166,7 +166,7 @@
           <p:cNvPr id="3" name="副标题 2">
             <a:extLst>
               <a:ext uri="{FF2B5EF4-FFF2-40B4-BE49-F238E27FC236}">
-                <a16:creationId xmlns:a16="http://schemas.microsoft.com/office/drawing/2014/main" id="{1B6755BA-D55E-D73B-A691-62EEE0347AAE}"/>
+                <a16:creationId xmlns:a16="http://schemas.microsoft.com/office/drawing/2014/main" id="{36D589DF-071E-3364-1CA8-F0D6288F37F4}"/>
               </a:ext>
             </a:extLst>
           </p:cNvPr>
@@ -236,7 +236,7 @@
           <p:cNvPr id="4" name="日期占位符 3">
             <a:extLst>
               <a:ext uri="{FF2B5EF4-FFF2-40B4-BE49-F238E27FC236}">
-                <a16:creationId xmlns:a16="http://schemas.microsoft.com/office/drawing/2014/main" id="{9058230F-A568-DF6C-36DE-4CDDC059F262}"/>
+                <a16:creationId xmlns:a16="http://schemas.microsoft.com/office/drawing/2014/main" id="{CB5035DD-1572-4B92-C849-ED98E34FA232}"/>
               </a:ext>
             </a:extLst>
           </p:cNvPr>
@@ -252,7 +252,7 @@
           <a:bodyPr/>
           <a:lstStyle/>
           <a:p>
-            <a:fld id="{4AB781C3-1CB2-4BC6-826A-9989A95DB249}" type="datetimeFigureOut">
+            <a:fld id="{8A7407A1-040C-4A45-AD87-5AE795760CAC}" type="datetimeFigureOut">
               <a:rPr lang="zh-CN" altLang="en-US" smtClean="0"/>
               <a:t>2024/3/10</a:t>
             </a:fld>
@@ -265,7 +265,7 @@
           <p:cNvPr id="5" name="页脚占位符 4">
             <a:extLst>
               <a:ext uri="{FF2B5EF4-FFF2-40B4-BE49-F238E27FC236}">
-                <a16:creationId xmlns:a16="http://schemas.microsoft.com/office/drawing/2014/main" id="{E9AFC8A6-14DD-516F-C878-29D19E32C978}"/>
+                <a16:creationId xmlns:a16="http://schemas.microsoft.com/office/drawing/2014/main" id="{E354C0CF-81F5-9990-9ACD-F5F6A0840654}"/>
               </a:ext>
             </a:extLst>
           </p:cNvPr>
@@ -290,7 +290,7 @@
           <p:cNvPr id="6" name="灯片编号占位符 5">
             <a:extLst>
               <a:ext uri="{FF2B5EF4-FFF2-40B4-BE49-F238E27FC236}">
-                <a16:creationId xmlns:a16="http://schemas.microsoft.com/office/drawing/2014/main" id="{A45ADD41-A960-EA8F-1F70-F269DDBC1071}"/>
+                <a16:creationId xmlns:a16="http://schemas.microsoft.com/office/drawing/2014/main" id="{F0E91230-D7C2-5826-9D97-7A29C23CD249}"/>
               </a:ext>
             </a:extLst>
           </p:cNvPr>
@@ -306,7 +306,7 @@
           <a:bodyPr/>
           <a:lstStyle/>
           <a:p>
-            <a:fld id="{893258E6-480B-4994-8929-CE98691D8792}" type="slidenum">
+            <a:fld id="{384AEE10-70CB-4E96-BC34-9916B252776B}" type="slidenum">
               <a:rPr lang="zh-CN" altLang="en-US" smtClean="0"/>
               <a:t>‹#›</a:t>
             </a:fld>
@@ -317,7 +317,7 @@
     </p:spTree>
     <p:extLst>
       <p:ext uri="{BB962C8B-B14F-4D97-AF65-F5344CB8AC3E}">
-        <p14:creationId xmlns:p14="http://schemas.microsoft.com/office/powerpoint/2010/main" val="3015981425"/>
+        <p14:creationId xmlns:p14="http://schemas.microsoft.com/office/powerpoint/2010/main" val="887945536"/>
       </p:ext>
     </p:extLst>
   </p:cSld>
@@ -349,7 +349,7 @@
           <p:cNvPr id="2" name="标题 1">
             <a:extLst>
               <a:ext uri="{FF2B5EF4-FFF2-40B4-BE49-F238E27FC236}">
-                <a16:creationId xmlns:a16="http://schemas.microsoft.com/office/drawing/2014/main" id="{B2DC1290-21F0-9F6E-089D-56CDDF422F2E}"/>
+                <a16:creationId xmlns:a16="http://schemas.microsoft.com/office/drawing/2014/main" id="{0A41C5EF-FAE0-6EAA-0659-1FC60574F8A4}"/>
               </a:ext>
             </a:extLst>
           </p:cNvPr>
@@ -377,7 +377,7 @@
           <p:cNvPr id="3" name="竖排文字占位符 2">
             <a:extLst>
               <a:ext uri="{FF2B5EF4-FFF2-40B4-BE49-F238E27FC236}">
-                <a16:creationId xmlns:a16="http://schemas.microsoft.com/office/drawing/2014/main" id="{BD42137F-3E21-C870-0E9B-2FFC34E643A0}"/>
+                <a16:creationId xmlns:a16="http://schemas.microsoft.com/office/drawing/2014/main" id="{26CA7B3E-C10C-07F4-7A28-A65E55EC7A8A}"/>
               </a:ext>
             </a:extLst>
           </p:cNvPr>
@@ -434,7 +434,7 @@
           <p:cNvPr id="4" name="日期占位符 3">
             <a:extLst>
               <a:ext uri="{FF2B5EF4-FFF2-40B4-BE49-F238E27FC236}">
-                <a16:creationId xmlns:a16="http://schemas.microsoft.com/office/drawing/2014/main" id="{A75F6EA6-97F1-D2B5-5C9E-370AB000B66F}"/>
+                <a16:creationId xmlns:a16="http://schemas.microsoft.com/office/drawing/2014/main" id="{E50FF630-FE8A-B36C-A4A0-519D6247F1EA}"/>
               </a:ext>
             </a:extLst>
           </p:cNvPr>
@@ -450,7 +450,7 @@
           <a:bodyPr/>
           <a:lstStyle/>
           <a:p>
-            <a:fld id="{4AB781C3-1CB2-4BC6-826A-9989A95DB249}" type="datetimeFigureOut">
+            <a:fld id="{8A7407A1-040C-4A45-AD87-5AE795760CAC}" type="datetimeFigureOut">
               <a:rPr lang="zh-CN" altLang="en-US" smtClean="0"/>
               <a:t>2024/3/10</a:t>
             </a:fld>
@@ -463,7 +463,7 @@
           <p:cNvPr id="5" name="页脚占位符 4">
             <a:extLst>
               <a:ext uri="{FF2B5EF4-FFF2-40B4-BE49-F238E27FC236}">
-                <a16:creationId xmlns:a16="http://schemas.microsoft.com/office/drawing/2014/main" id="{6C0FB08F-FC9D-97D1-92CD-7D7901185DEE}"/>
+                <a16:creationId xmlns:a16="http://schemas.microsoft.com/office/drawing/2014/main" id="{7A60D0CC-2F8B-A88E-DE7F-C24B92CADE43}"/>
               </a:ext>
             </a:extLst>
           </p:cNvPr>
@@ -488,7 +488,7 @@
           <p:cNvPr id="6" name="灯片编号占位符 5">
             <a:extLst>
               <a:ext uri="{FF2B5EF4-FFF2-40B4-BE49-F238E27FC236}">
-                <a16:creationId xmlns:a16="http://schemas.microsoft.com/office/drawing/2014/main" id="{7CA75468-9563-D2F1-9BFA-CDA5ECEB757B}"/>
+                <a16:creationId xmlns:a16="http://schemas.microsoft.com/office/drawing/2014/main" id="{B459BD16-DF69-8536-06E9-1575E988E32C}"/>
               </a:ext>
             </a:extLst>
           </p:cNvPr>
@@ -504,7 +504,7 @@
           <a:bodyPr/>
           <a:lstStyle/>
           <a:p>
-            <a:fld id="{893258E6-480B-4994-8929-CE98691D8792}" type="slidenum">
+            <a:fld id="{384AEE10-70CB-4E96-BC34-9916B252776B}" type="slidenum">
               <a:rPr lang="zh-CN" altLang="en-US" smtClean="0"/>
               <a:t>‹#›</a:t>
             </a:fld>
@@ -515,7 +515,7 @@
     </p:spTree>
     <p:extLst>
       <p:ext uri="{BB962C8B-B14F-4D97-AF65-F5344CB8AC3E}">
-        <p14:creationId xmlns:p14="http://schemas.microsoft.com/office/powerpoint/2010/main" val="4022626705"/>
+        <p14:creationId xmlns:p14="http://schemas.microsoft.com/office/powerpoint/2010/main" val="3549911145"/>
       </p:ext>
     </p:extLst>
   </p:cSld>
@@ -547,7 +547,7 @@
           <p:cNvPr id="2" name="竖排标题 1">
             <a:extLst>
               <a:ext uri="{FF2B5EF4-FFF2-40B4-BE49-F238E27FC236}">
-                <a16:creationId xmlns:a16="http://schemas.microsoft.com/office/drawing/2014/main" id="{A2E9B8DD-8452-124E-9373-6E96CF701A47}"/>
+                <a16:creationId xmlns:a16="http://schemas.microsoft.com/office/drawing/2014/main" id="{EC777FE9-D509-8FB5-1F08-98EAAE33D033}"/>
               </a:ext>
             </a:extLst>
           </p:cNvPr>
@@ -580,7 +580,7 @@
           <p:cNvPr id="3" name="竖排文字占位符 2">
             <a:extLst>
               <a:ext uri="{FF2B5EF4-FFF2-40B4-BE49-F238E27FC236}">
-                <a16:creationId xmlns:a16="http://schemas.microsoft.com/office/drawing/2014/main" id="{5582B2CC-FEA5-258E-CC11-EC5DF5DC52E4}"/>
+                <a16:creationId xmlns:a16="http://schemas.microsoft.com/office/drawing/2014/main" id="{CFF534CA-9F92-24DE-F9A9-B31A206BDC54}"/>
               </a:ext>
             </a:extLst>
           </p:cNvPr>
@@ -642,7 +642,7 @@
           <p:cNvPr id="4" name="日期占位符 3">
             <a:extLst>
               <a:ext uri="{FF2B5EF4-FFF2-40B4-BE49-F238E27FC236}">
-                <a16:creationId xmlns:a16="http://schemas.microsoft.com/office/drawing/2014/main" id="{02E24847-5530-CE79-739A-F91D1B88EE66}"/>
+                <a16:creationId xmlns:a16="http://schemas.microsoft.com/office/drawing/2014/main" id="{00A37951-E49F-34FA-2347-B22FF645140C}"/>
               </a:ext>
             </a:extLst>
           </p:cNvPr>
@@ -658,7 +658,7 @@
           <a:bodyPr/>
           <a:lstStyle/>
           <a:p>
-            <a:fld id="{4AB781C3-1CB2-4BC6-826A-9989A95DB249}" type="datetimeFigureOut">
+            <a:fld id="{8A7407A1-040C-4A45-AD87-5AE795760CAC}" type="datetimeFigureOut">
               <a:rPr lang="zh-CN" altLang="en-US" smtClean="0"/>
               <a:t>2024/3/10</a:t>
             </a:fld>
@@ -671,7 +671,7 @@
           <p:cNvPr id="5" name="页脚占位符 4">
             <a:extLst>
               <a:ext uri="{FF2B5EF4-FFF2-40B4-BE49-F238E27FC236}">
-                <a16:creationId xmlns:a16="http://schemas.microsoft.com/office/drawing/2014/main" id="{E88F03EC-8693-AA4D-497C-7DD947C55260}"/>
+                <a16:creationId xmlns:a16="http://schemas.microsoft.com/office/drawing/2014/main" id="{78E7913C-F0A9-5BAC-6385-CB5ED9EFDA12}"/>
               </a:ext>
             </a:extLst>
           </p:cNvPr>
@@ -696,7 +696,7 @@
           <p:cNvPr id="6" name="灯片编号占位符 5">
             <a:extLst>
               <a:ext uri="{FF2B5EF4-FFF2-40B4-BE49-F238E27FC236}">
-                <a16:creationId xmlns:a16="http://schemas.microsoft.com/office/drawing/2014/main" id="{9F0C6415-6398-EB62-2BC3-0F44690BAEAD}"/>
+                <a16:creationId xmlns:a16="http://schemas.microsoft.com/office/drawing/2014/main" id="{9CC534A4-7CA2-1E21-DB14-E81D8384031C}"/>
               </a:ext>
             </a:extLst>
           </p:cNvPr>
@@ -712,7 +712,7 @@
           <a:bodyPr/>
           <a:lstStyle/>
           <a:p>
-            <a:fld id="{893258E6-480B-4994-8929-CE98691D8792}" type="slidenum">
+            <a:fld id="{384AEE10-70CB-4E96-BC34-9916B252776B}" type="slidenum">
               <a:rPr lang="zh-CN" altLang="en-US" smtClean="0"/>
               <a:t>‹#›</a:t>
             </a:fld>
@@ -723,7 +723,7 @@
     </p:spTree>
     <p:extLst>
       <p:ext uri="{BB962C8B-B14F-4D97-AF65-F5344CB8AC3E}">
-        <p14:creationId xmlns:p14="http://schemas.microsoft.com/office/powerpoint/2010/main" val="2062193746"/>
+        <p14:creationId xmlns:p14="http://schemas.microsoft.com/office/powerpoint/2010/main" val="3239294322"/>
       </p:ext>
     </p:extLst>
   </p:cSld>
@@ -755,7 +755,7 @@
           <p:cNvPr id="2" name="标题 1">
             <a:extLst>
               <a:ext uri="{FF2B5EF4-FFF2-40B4-BE49-F238E27FC236}">
-                <a16:creationId xmlns:a16="http://schemas.microsoft.com/office/drawing/2014/main" id="{3C74E625-D126-128F-D767-09C1F08BCFA2}"/>
+                <a16:creationId xmlns:a16="http://schemas.microsoft.com/office/drawing/2014/main" id="{305E2306-9AA0-C61E-F250-4BA1B0D05A84}"/>
               </a:ext>
             </a:extLst>
           </p:cNvPr>
@@ -783,7 +783,7 @@
           <p:cNvPr id="3" name="内容占位符 2">
             <a:extLst>
               <a:ext uri="{FF2B5EF4-FFF2-40B4-BE49-F238E27FC236}">
-                <a16:creationId xmlns:a16="http://schemas.microsoft.com/office/drawing/2014/main" id="{BFBDB767-F688-3F52-786D-24BFE88981AE}"/>
+                <a16:creationId xmlns:a16="http://schemas.microsoft.com/office/drawing/2014/main" id="{20207F2B-C31E-C8A7-0629-A9E7D83DF069}"/>
               </a:ext>
             </a:extLst>
           </p:cNvPr>
@@ -840,7 +840,7 @@
           <p:cNvPr id="4" name="日期占位符 3">
             <a:extLst>
               <a:ext uri="{FF2B5EF4-FFF2-40B4-BE49-F238E27FC236}">
-                <a16:creationId xmlns:a16="http://schemas.microsoft.com/office/drawing/2014/main" id="{D7F7F10D-F6C3-5E6E-B729-D68183713B33}"/>
+                <a16:creationId xmlns:a16="http://schemas.microsoft.com/office/drawing/2014/main" id="{1878DB6C-E1D0-65B7-C44A-69FB29E48B89}"/>
               </a:ext>
             </a:extLst>
           </p:cNvPr>
@@ -856,7 +856,7 @@
           <a:bodyPr/>
           <a:lstStyle/>
           <a:p>
-            <a:fld id="{4AB781C3-1CB2-4BC6-826A-9989A95DB249}" type="datetimeFigureOut">
+            <a:fld id="{8A7407A1-040C-4A45-AD87-5AE795760CAC}" type="datetimeFigureOut">
               <a:rPr lang="zh-CN" altLang="en-US" smtClean="0"/>
               <a:t>2024/3/10</a:t>
             </a:fld>
@@ -869,7 +869,7 @@
           <p:cNvPr id="5" name="页脚占位符 4">
             <a:extLst>
               <a:ext uri="{FF2B5EF4-FFF2-40B4-BE49-F238E27FC236}">
-                <a16:creationId xmlns:a16="http://schemas.microsoft.com/office/drawing/2014/main" id="{A9C3E817-5060-370D-A346-73C020D79036}"/>
+                <a16:creationId xmlns:a16="http://schemas.microsoft.com/office/drawing/2014/main" id="{524F1E06-E496-66AD-48FE-452EAAA35454}"/>
               </a:ext>
             </a:extLst>
           </p:cNvPr>
@@ -894,7 +894,7 @@
           <p:cNvPr id="6" name="灯片编号占位符 5">
             <a:extLst>
               <a:ext uri="{FF2B5EF4-FFF2-40B4-BE49-F238E27FC236}">
-                <a16:creationId xmlns:a16="http://schemas.microsoft.com/office/drawing/2014/main" id="{97F5EB62-9A6A-46CB-3CFE-D1BC5DD42AB0}"/>
+                <a16:creationId xmlns:a16="http://schemas.microsoft.com/office/drawing/2014/main" id="{F8C55F16-FD1D-C1F6-DAEF-267041926569}"/>
               </a:ext>
             </a:extLst>
           </p:cNvPr>
@@ -910,7 +910,7 @@
           <a:bodyPr/>
           <a:lstStyle/>
           <a:p>
-            <a:fld id="{893258E6-480B-4994-8929-CE98691D8792}" type="slidenum">
+            <a:fld id="{384AEE10-70CB-4E96-BC34-9916B252776B}" type="slidenum">
               <a:rPr lang="zh-CN" altLang="en-US" smtClean="0"/>
               <a:t>‹#›</a:t>
             </a:fld>
@@ -921,7 +921,7 @@
     </p:spTree>
     <p:extLst>
       <p:ext uri="{BB962C8B-B14F-4D97-AF65-F5344CB8AC3E}">
-        <p14:creationId xmlns:p14="http://schemas.microsoft.com/office/powerpoint/2010/main" val="3678868579"/>
+        <p14:creationId xmlns:p14="http://schemas.microsoft.com/office/powerpoint/2010/main" val="3817785716"/>
       </p:ext>
     </p:extLst>
   </p:cSld>
@@ -953,7 +953,7 @@
           <p:cNvPr id="2" name="标题 1">
             <a:extLst>
               <a:ext uri="{FF2B5EF4-FFF2-40B4-BE49-F238E27FC236}">
-                <a16:creationId xmlns:a16="http://schemas.microsoft.com/office/drawing/2014/main" id="{169A30A2-0D95-59E8-2970-8F98E1EB49EC}"/>
+                <a16:creationId xmlns:a16="http://schemas.microsoft.com/office/drawing/2014/main" id="{BAAA8ED0-74AE-C520-F4E3-538F1037F659}"/>
               </a:ext>
             </a:extLst>
           </p:cNvPr>
@@ -990,7 +990,7 @@
           <p:cNvPr id="3" name="文本占位符 2">
             <a:extLst>
               <a:ext uri="{FF2B5EF4-FFF2-40B4-BE49-F238E27FC236}">
-                <a16:creationId xmlns:a16="http://schemas.microsoft.com/office/drawing/2014/main" id="{01222DDE-E97E-0826-F4CF-9D968BA53BC0}"/>
+                <a16:creationId xmlns:a16="http://schemas.microsoft.com/office/drawing/2014/main" id="{AC3ED24D-D6BF-2C96-9C97-26856D922A2D}"/>
               </a:ext>
             </a:extLst>
           </p:cNvPr>
@@ -1115,7 +1115,7 @@
           <p:cNvPr id="4" name="日期占位符 3">
             <a:extLst>
               <a:ext uri="{FF2B5EF4-FFF2-40B4-BE49-F238E27FC236}">
-                <a16:creationId xmlns:a16="http://schemas.microsoft.com/office/drawing/2014/main" id="{B52C55FA-6DEE-7969-3FE8-3E3E779E6B68}"/>
+                <a16:creationId xmlns:a16="http://schemas.microsoft.com/office/drawing/2014/main" id="{A1B4A3BF-1C07-23D3-F1A8-31E3E2484E7D}"/>
               </a:ext>
             </a:extLst>
           </p:cNvPr>
@@ -1131,7 +1131,7 @@
           <a:bodyPr/>
           <a:lstStyle/>
           <a:p>
-            <a:fld id="{4AB781C3-1CB2-4BC6-826A-9989A95DB249}" type="datetimeFigureOut">
+            <a:fld id="{8A7407A1-040C-4A45-AD87-5AE795760CAC}" type="datetimeFigureOut">
               <a:rPr lang="zh-CN" altLang="en-US" smtClean="0"/>
               <a:t>2024/3/10</a:t>
             </a:fld>
@@ -1144,7 +1144,7 @@
           <p:cNvPr id="5" name="页脚占位符 4">
             <a:extLst>
               <a:ext uri="{FF2B5EF4-FFF2-40B4-BE49-F238E27FC236}">
-                <a16:creationId xmlns:a16="http://schemas.microsoft.com/office/drawing/2014/main" id="{0AD2D2A4-ED8E-6CFE-15EB-AC00D9C1CD13}"/>
+                <a16:creationId xmlns:a16="http://schemas.microsoft.com/office/drawing/2014/main" id="{487B2B54-3378-AD91-4826-5AD4358FC831}"/>
               </a:ext>
             </a:extLst>
           </p:cNvPr>
@@ -1169,7 +1169,7 @@
           <p:cNvPr id="6" name="灯片编号占位符 5">
             <a:extLst>
               <a:ext uri="{FF2B5EF4-FFF2-40B4-BE49-F238E27FC236}">
-                <a16:creationId xmlns:a16="http://schemas.microsoft.com/office/drawing/2014/main" id="{7B94C5BE-B15E-9339-E434-C51C7D7569D2}"/>
+                <a16:creationId xmlns:a16="http://schemas.microsoft.com/office/drawing/2014/main" id="{435323E0-FE95-1289-A004-A54E0A802FC7}"/>
               </a:ext>
             </a:extLst>
           </p:cNvPr>
@@ -1185,7 +1185,7 @@
           <a:bodyPr/>
           <a:lstStyle/>
           <a:p>
-            <a:fld id="{893258E6-480B-4994-8929-CE98691D8792}" type="slidenum">
+            <a:fld id="{384AEE10-70CB-4E96-BC34-9916B252776B}" type="slidenum">
               <a:rPr lang="zh-CN" altLang="en-US" smtClean="0"/>
               <a:t>‹#›</a:t>
             </a:fld>
@@ -1196,7 +1196,7 @@
     </p:spTree>
     <p:extLst>
       <p:ext uri="{BB962C8B-B14F-4D97-AF65-F5344CB8AC3E}">
-        <p14:creationId xmlns:p14="http://schemas.microsoft.com/office/powerpoint/2010/main" val="711210699"/>
+        <p14:creationId xmlns:p14="http://schemas.microsoft.com/office/powerpoint/2010/main" val="432685472"/>
       </p:ext>
     </p:extLst>
   </p:cSld>
@@ -1228,7 +1228,7 @@
           <p:cNvPr id="2" name="标题 1">
             <a:extLst>
               <a:ext uri="{FF2B5EF4-FFF2-40B4-BE49-F238E27FC236}">
-                <a16:creationId xmlns:a16="http://schemas.microsoft.com/office/drawing/2014/main" id="{90CFD23A-21DA-12CA-DF69-F2E0449EB1AB}"/>
+                <a16:creationId xmlns:a16="http://schemas.microsoft.com/office/drawing/2014/main" id="{C0F8EC59-4957-E983-228E-D151683F0EA9}"/>
               </a:ext>
             </a:extLst>
           </p:cNvPr>
@@ -1256,7 +1256,7 @@
           <p:cNvPr id="3" name="内容占位符 2">
             <a:extLst>
               <a:ext uri="{FF2B5EF4-FFF2-40B4-BE49-F238E27FC236}">
-                <a16:creationId xmlns:a16="http://schemas.microsoft.com/office/drawing/2014/main" id="{5CA4099A-238B-B77B-B8EF-C393D0F4DFF4}"/>
+                <a16:creationId xmlns:a16="http://schemas.microsoft.com/office/drawing/2014/main" id="{5C61A60A-2F36-B6A9-6FAB-E3A71EB268AA}"/>
               </a:ext>
             </a:extLst>
           </p:cNvPr>
@@ -1318,7 +1318,7 @@
           <p:cNvPr id="4" name="内容占位符 3">
             <a:extLst>
               <a:ext uri="{FF2B5EF4-FFF2-40B4-BE49-F238E27FC236}">
-                <a16:creationId xmlns:a16="http://schemas.microsoft.com/office/drawing/2014/main" id="{B932A829-9955-A0BB-7D85-33F4B8CD2482}"/>
+                <a16:creationId xmlns:a16="http://schemas.microsoft.com/office/drawing/2014/main" id="{DF2358BE-9BBF-E78D-C700-2683BCE10484}"/>
               </a:ext>
             </a:extLst>
           </p:cNvPr>
@@ -1380,7 +1380,7 @@
           <p:cNvPr id="5" name="日期占位符 4">
             <a:extLst>
               <a:ext uri="{FF2B5EF4-FFF2-40B4-BE49-F238E27FC236}">
-                <a16:creationId xmlns:a16="http://schemas.microsoft.com/office/drawing/2014/main" id="{51B451A2-DE3E-8ED0-9615-B2DA5E046610}"/>
+                <a16:creationId xmlns:a16="http://schemas.microsoft.com/office/drawing/2014/main" id="{1FFDD772-338D-87B2-C422-93AEC5B1D9F7}"/>
               </a:ext>
             </a:extLst>
           </p:cNvPr>
@@ -1396,7 +1396,7 @@
           <a:bodyPr/>
           <a:lstStyle/>
           <a:p>
-            <a:fld id="{4AB781C3-1CB2-4BC6-826A-9989A95DB249}" type="datetimeFigureOut">
+            <a:fld id="{8A7407A1-040C-4A45-AD87-5AE795760CAC}" type="datetimeFigureOut">
               <a:rPr lang="zh-CN" altLang="en-US" smtClean="0"/>
               <a:t>2024/3/10</a:t>
             </a:fld>
@@ -1409,7 +1409,7 @@
           <p:cNvPr id="6" name="页脚占位符 5">
             <a:extLst>
               <a:ext uri="{FF2B5EF4-FFF2-40B4-BE49-F238E27FC236}">
-                <a16:creationId xmlns:a16="http://schemas.microsoft.com/office/drawing/2014/main" id="{FEC6A6A3-2AE9-BFA5-B225-6D461F2BE0A7}"/>
+                <a16:creationId xmlns:a16="http://schemas.microsoft.com/office/drawing/2014/main" id="{A66CB065-EA14-DF26-C3BE-185542B1A173}"/>
               </a:ext>
             </a:extLst>
           </p:cNvPr>
@@ -1434,7 +1434,7 @@
           <p:cNvPr id="7" name="灯片编号占位符 6">
             <a:extLst>
               <a:ext uri="{FF2B5EF4-FFF2-40B4-BE49-F238E27FC236}">
-                <a16:creationId xmlns:a16="http://schemas.microsoft.com/office/drawing/2014/main" id="{6D8157D6-87F3-ACC3-F47D-A8D50F89C10B}"/>
+                <a16:creationId xmlns:a16="http://schemas.microsoft.com/office/drawing/2014/main" id="{17AD19E5-A5B0-7080-FBE1-5D063D898E46}"/>
               </a:ext>
             </a:extLst>
           </p:cNvPr>
@@ -1450,7 +1450,7 @@
           <a:bodyPr/>
           <a:lstStyle/>
           <a:p>
-            <a:fld id="{893258E6-480B-4994-8929-CE98691D8792}" type="slidenum">
+            <a:fld id="{384AEE10-70CB-4E96-BC34-9916B252776B}" type="slidenum">
               <a:rPr lang="zh-CN" altLang="en-US" smtClean="0"/>
               <a:t>‹#›</a:t>
             </a:fld>
@@ -1461,7 +1461,7 @@
     </p:spTree>
     <p:extLst>
       <p:ext uri="{BB962C8B-B14F-4D97-AF65-F5344CB8AC3E}">
-        <p14:creationId xmlns:p14="http://schemas.microsoft.com/office/powerpoint/2010/main" val="1569531621"/>
+        <p14:creationId xmlns:p14="http://schemas.microsoft.com/office/powerpoint/2010/main" val="1286361415"/>
       </p:ext>
     </p:extLst>
   </p:cSld>
@@ -1493,7 +1493,7 @@
           <p:cNvPr id="2" name="标题 1">
             <a:extLst>
               <a:ext uri="{FF2B5EF4-FFF2-40B4-BE49-F238E27FC236}">
-                <a16:creationId xmlns:a16="http://schemas.microsoft.com/office/drawing/2014/main" id="{5DF79430-5A13-835C-EA85-AD933AAA137C}"/>
+                <a16:creationId xmlns:a16="http://schemas.microsoft.com/office/drawing/2014/main" id="{A1C57493-EE1B-D9E2-E9EF-4CB461A3D93D}"/>
               </a:ext>
             </a:extLst>
           </p:cNvPr>
@@ -1526,7 +1526,7 @@
           <p:cNvPr id="3" name="文本占位符 2">
             <a:extLst>
               <a:ext uri="{FF2B5EF4-FFF2-40B4-BE49-F238E27FC236}">
-                <a16:creationId xmlns:a16="http://schemas.microsoft.com/office/drawing/2014/main" id="{65A46177-792B-5106-C8C0-D4479B0BCCAE}"/>
+                <a16:creationId xmlns:a16="http://schemas.microsoft.com/office/drawing/2014/main" id="{6C3D5492-5C53-1913-AC57-CE3381800744}"/>
               </a:ext>
             </a:extLst>
           </p:cNvPr>
@@ -1597,7 +1597,7 @@
           <p:cNvPr id="4" name="内容占位符 3">
             <a:extLst>
               <a:ext uri="{FF2B5EF4-FFF2-40B4-BE49-F238E27FC236}">
-                <a16:creationId xmlns:a16="http://schemas.microsoft.com/office/drawing/2014/main" id="{5D65E742-319B-5323-54DE-2FEEADE58181}"/>
+                <a16:creationId xmlns:a16="http://schemas.microsoft.com/office/drawing/2014/main" id="{EA677DF0-BBFC-BB91-641C-5EDD1D2F12DD}"/>
               </a:ext>
             </a:extLst>
           </p:cNvPr>
@@ -1659,7 +1659,7 @@
           <p:cNvPr id="5" name="文本占位符 4">
             <a:extLst>
               <a:ext uri="{FF2B5EF4-FFF2-40B4-BE49-F238E27FC236}">
-                <a16:creationId xmlns:a16="http://schemas.microsoft.com/office/drawing/2014/main" id="{660401C1-9A5E-0038-9051-A457F2211BD3}"/>
+                <a16:creationId xmlns:a16="http://schemas.microsoft.com/office/drawing/2014/main" id="{E12ADD84-1997-9CDB-0F35-A693288BF1DE}"/>
               </a:ext>
             </a:extLst>
           </p:cNvPr>
@@ -1730,7 +1730,7 @@
           <p:cNvPr id="6" name="内容占位符 5">
             <a:extLst>
               <a:ext uri="{FF2B5EF4-FFF2-40B4-BE49-F238E27FC236}">
-                <a16:creationId xmlns:a16="http://schemas.microsoft.com/office/drawing/2014/main" id="{E5B6E3F5-60E5-81ED-0FE9-B1AC62D8B67C}"/>
+                <a16:creationId xmlns:a16="http://schemas.microsoft.com/office/drawing/2014/main" id="{C897A3B2-1883-579A-B317-45B1CCADC572}"/>
               </a:ext>
             </a:extLst>
           </p:cNvPr>
@@ -1792,7 +1792,7 @@
           <p:cNvPr id="7" name="日期占位符 6">
             <a:extLst>
               <a:ext uri="{FF2B5EF4-FFF2-40B4-BE49-F238E27FC236}">
-                <a16:creationId xmlns:a16="http://schemas.microsoft.com/office/drawing/2014/main" id="{F23185AF-4C9F-07C8-6BFB-82D84D26F980}"/>
+                <a16:creationId xmlns:a16="http://schemas.microsoft.com/office/drawing/2014/main" id="{ACED6400-8FA1-EFBE-7345-BE1DE15122A2}"/>
               </a:ext>
             </a:extLst>
           </p:cNvPr>
@@ -1808,7 +1808,7 @@
           <a:bodyPr/>
           <a:lstStyle/>
           <a:p>
-            <a:fld id="{4AB781C3-1CB2-4BC6-826A-9989A95DB249}" type="datetimeFigureOut">
+            <a:fld id="{8A7407A1-040C-4A45-AD87-5AE795760CAC}" type="datetimeFigureOut">
               <a:rPr lang="zh-CN" altLang="en-US" smtClean="0"/>
               <a:t>2024/3/10</a:t>
             </a:fld>
@@ -1821,7 +1821,7 @@
           <p:cNvPr id="8" name="页脚占位符 7">
             <a:extLst>
               <a:ext uri="{FF2B5EF4-FFF2-40B4-BE49-F238E27FC236}">
-                <a16:creationId xmlns:a16="http://schemas.microsoft.com/office/drawing/2014/main" id="{FE6E5121-2185-9F0F-FC21-5DD3C5C953DC}"/>
+                <a16:creationId xmlns:a16="http://schemas.microsoft.com/office/drawing/2014/main" id="{08A855E0-478F-8004-5C1D-DDD60ABAF27B}"/>
               </a:ext>
             </a:extLst>
           </p:cNvPr>
@@ -1846,7 +1846,7 @@
           <p:cNvPr id="9" name="灯片编号占位符 8">
             <a:extLst>
               <a:ext uri="{FF2B5EF4-FFF2-40B4-BE49-F238E27FC236}">
-                <a16:creationId xmlns:a16="http://schemas.microsoft.com/office/drawing/2014/main" id="{48FA9932-1C07-93CA-B6C3-6038A61124FD}"/>
+                <a16:creationId xmlns:a16="http://schemas.microsoft.com/office/drawing/2014/main" id="{F0A5A318-F374-A003-A4C7-69D2CDC28E30}"/>
               </a:ext>
             </a:extLst>
           </p:cNvPr>
@@ -1862,7 +1862,7 @@
           <a:bodyPr/>
           <a:lstStyle/>
           <a:p>
-            <a:fld id="{893258E6-480B-4994-8929-CE98691D8792}" type="slidenum">
+            <a:fld id="{384AEE10-70CB-4E96-BC34-9916B252776B}" type="slidenum">
               <a:rPr lang="zh-CN" altLang="en-US" smtClean="0"/>
               <a:t>‹#›</a:t>
             </a:fld>
@@ -1873,7 +1873,7 @@
     </p:spTree>
     <p:extLst>
       <p:ext uri="{BB962C8B-B14F-4D97-AF65-F5344CB8AC3E}">
-        <p14:creationId xmlns:p14="http://schemas.microsoft.com/office/powerpoint/2010/main" val="3275423282"/>
+        <p14:creationId xmlns:p14="http://schemas.microsoft.com/office/powerpoint/2010/main" val="2474137574"/>
       </p:ext>
     </p:extLst>
   </p:cSld>
@@ -1905,7 +1905,7 @@
           <p:cNvPr id="2" name="标题 1">
             <a:extLst>
               <a:ext uri="{FF2B5EF4-FFF2-40B4-BE49-F238E27FC236}">
-                <a16:creationId xmlns:a16="http://schemas.microsoft.com/office/drawing/2014/main" id="{E3B29118-49CB-41EE-DEEC-5E1F465EC97A}"/>
+                <a16:creationId xmlns:a16="http://schemas.microsoft.com/office/drawing/2014/main" id="{19D33C2D-E016-C004-0D9C-6CED92D32F6C}"/>
               </a:ext>
             </a:extLst>
           </p:cNvPr>
@@ -1933,7 +1933,7 @@
           <p:cNvPr id="3" name="日期占位符 2">
             <a:extLst>
               <a:ext uri="{FF2B5EF4-FFF2-40B4-BE49-F238E27FC236}">
-                <a16:creationId xmlns:a16="http://schemas.microsoft.com/office/drawing/2014/main" id="{697A4D0B-6CF0-40E1-8946-2C7EDD798937}"/>
+                <a16:creationId xmlns:a16="http://schemas.microsoft.com/office/drawing/2014/main" id="{66833F61-A943-7480-E3A6-A8AFFF9C955E}"/>
               </a:ext>
             </a:extLst>
           </p:cNvPr>
@@ -1949,7 +1949,7 @@
           <a:bodyPr/>
           <a:lstStyle/>
           <a:p>
-            <a:fld id="{4AB781C3-1CB2-4BC6-826A-9989A95DB249}" type="datetimeFigureOut">
+            <a:fld id="{8A7407A1-040C-4A45-AD87-5AE795760CAC}" type="datetimeFigureOut">
               <a:rPr lang="zh-CN" altLang="en-US" smtClean="0"/>
               <a:t>2024/3/10</a:t>
             </a:fld>
@@ -1962,7 +1962,7 @@
           <p:cNvPr id="4" name="页脚占位符 3">
             <a:extLst>
               <a:ext uri="{FF2B5EF4-FFF2-40B4-BE49-F238E27FC236}">
-                <a16:creationId xmlns:a16="http://schemas.microsoft.com/office/drawing/2014/main" id="{0EA37CD9-A1F7-F44E-9452-C3EA68FA5EF5}"/>
+                <a16:creationId xmlns:a16="http://schemas.microsoft.com/office/drawing/2014/main" id="{16270851-E509-FDC3-B42C-321F27BB72E0}"/>
               </a:ext>
             </a:extLst>
           </p:cNvPr>
@@ -1987,7 +1987,7 @@
           <p:cNvPr id="5" name="灯片编号占位符 4">
             <a:extLst>
               <a:ext uri="{FF2B5EF4-FFF2-40B4-BE49-F238E27FC236}">
-                <a16:creationId xmlns:a16="http://schemas.microsoft.com/office/drawing/2014/main" id="{F8E36BF5-1416-B197-B9C0-29BF7E7991C2}"/>
+                <a16:creationId xmlns:a16="http://schemas.microsoft.com/office/drawing/2014/main" id="{90477139-FFF9-D8E0-DC78-0A133645C147}"/>
               </a:ext>
             </a:extLst>
           </p:cNvPr>
@@ -2003,7 +2003,7 @@
           <a:bodyPr/>
           <a:lstStyle/>
           <a:p>
-            <a:fld id="{893258E6-480B-4994-8929-CE98691D8792}" type="slidenum">
+            <a:fld id="{384AEE10-70CB-4E96-BC34-9916B252776B}" type="slidenum">
               <a:rPr lang="zh-CN" altLang="en-US" smtClean="0"/>
               <a:t>‹#›</a:t>
             </a:fld>
@@ -2014,7 +2014,7 @@
     </p:spTree>
     <p:extLst>
       <p:ext uri="{BB962C8B-B14F-4D97-AF65-F5344CB8AC3E}">
-        <p14:creationId xmlns:p14="http://schemas.microsoft.com/office/powerpoint/2010/main" val="233418971"/>
+        <p14:creationId xmlns:p14="http://schemas.microsoft.com/office/powerpoint/2010/main" val="167245709"/>
       </p:ext>
     </p:extLst>
   </p:cSld>
@@ -2046,7 +2046,7 @@
           <p:cNvPr id="2" name="日期占位符 1">
             <a:extLst>
               <a:ext uri="{FF2B5EF4-FFF2-40B4-BE49-F238E27FC236}">
-                <a16:creationId xmlns:a16="http://schemas.microsoft.com/office/drawing/2014/main" id="{5BE93B7B-882A-5DDC-8B1B-7B7B4A2F7BEB}"/>
+                <a16:creationId xmlns:a16="http://schemas.microsoft.com/office/drawing/2014/main" id="{A8556EE2-B00A-0D62-4059-D49B6ADED917}"/>
               </a:ext>
             </a:extLst>
           </p:cNvPr>
@@ -2062,7 +2062,7 @@
           <a:bodyPr/>
           <a:lstStyle/>
           <a:p>
-            <a:fld id="{4AB781C3-1CB2-4BC6-826A-9989A95DB249}" type="datetimeFigureOut">
+            <a:fld id="{8A7407A1-040C-4A45-AD87-5AE795760CAC}" type="datetimeFigureOut">
               <a:rPr lang="zh-CN" altLang="en-US" smtClean="0"/>
               <a:t>2024/3/10</a:t>
             </a:fld>
@@ -2075,7 +2075,7 @@
           <p:cNvPr id="3" name="页脚占位符 2">
             <a:extLst>
               <a:ext uri="{FF2B5EF4-FFF2-40B4-BE49-F238E27FC236}">
-                <a16:creationId xmlns:a16="http://schemas.microsoft.com/office/drawing/2014/main" id="{9DA6B715-1225-5606-5A27-D2B7E52B7322}"/>
+                <a16:creationId xmlns:a16="http://schemas.microsoft.com/office/drawing/2014/main" id="{733B4E15-C731-AE07-0C83-C140EB24AEDD}"/>
               </a:ext>
             </a:extLst>
           </p:cNvPr>
@@ -2100,7 +2100,7 @@
           <p:cNvPr id="4" name="灯片编号占位符 3">
             <a:extLst>
               <a:ext uri="{FF2B5EF4-FFF2-40B4-BE49-F238E27FC236}">
-                <a16:creationId xmlns:a16="http://schemas.microsoft.com/office/drawing/2014/main" id="{50B33BDD-BE59-DE3D-08EA-103D4AF57C51}"/>
+                <a16:creationId xmlns:a16="http://schemas.microsoft.com/office/drawing/2014/main" id="{3306612E-63D6-A926-3254-18419B950CF3}"/>
               </a:ext>
             </a:extLst>
           </p:cNvPr>
@@ -2116,7 +2116,7 @@
           <a:bodyPr/>
           <a:lstStyle/>
           <a:p>
-            <a:fld id="{893258E6-480B-4994-8929-CE98691D8792}" type="slidenum">
+            <a:fld id="{384AEE10-70CB-4E96-BC34-9916B252776B}" type="slidenum">
               <a:rPr lang="zh-CN" altLang="en-US" smtClean="0"/>
               <a:t>‹#›</a:t>
             </a:fld>
@@ -2127,7 +2127,7 @@
     </p:spTree>
     <p:extLst>
       <p:ext uri="{BB962C8B-B14F-4D97-AF65-F5344CB8AC3E}">
-        <p14:creationId xmlns:p14="http://schemas.microsoft.com/office/powerpoint/2010/main" val="3563489564"/>
+        <p14:creationId xmlns:p14="http://schemas.microsoft.com/office/powerpoint/2010/main" val="117357213"/>
       </p:ext>
     </p:extLst>
   </p:cSld>
@@ -2159,7 +2159,7 @@
           <p:cNvPr id="2" name="标题 1">
             <a:extLst>
               <a:ext uri="{FF2B5EF4-FFF2-40B4-BE49-F238E27FC236}">
-                <a16:creationId xmlns:a16="http://schemas.microsoft.com/office/drawing/2014/main" id="{FA039901-3527-6C95-EF3B-E28B600EEBFC}"/>
+                <a16:creationId xmlns:a16="http://schemas.microsoft.com/office/drawing/2014/main" id="{3548165B-B861-D604-424A-D965C19DFED6}"/>
               </a:ext>
             </a:extLst>
           </p:cNvPr>
@@ -2196,7 +2196,7 @@
           <p:cNvPr id="3" name="内容占位符 2">
             <a:extLst>
               <a:ext uri="{FF2B5EF4-FFF2-40B4-BE49-F238E27FC236}">
-                <a16:creationId xmlns:a16="http://schemas.microsoft.com/office/drawing/2014/main" id="{7F20028B-7689-D09C-AB50-4178F4CC8525}"/>
+                <a16:creationId xmlns:a16="http://schemas.microsoft.com/office/drawing/2014/main" id="{6F269D54-34EB-83E9-B2CA-D3EE300DAEE2}"/>
               </a:ext>
             </a:extLst>
           </p:cNvPr>
@@ -2286,7 +2286,7 @@
           <p:cNvPr id="4" name="文本占位符 3">
             <a:extLst>
               <a:ext uri="{FF2B5EF4-FFF2-40B4-BE49-F238E27FC236}">
-                <a16:creationId xmlns:a16="http://schemas.microsoft.com/office/drawing/2014/main" id="{1F27649F-55DB-195A-1CD1-DE252977851F}"/>
+                <a16:creationId xmlns:a16="http://schemas.microsoft.com/office/drawing/2014/main" id="{3AFFBF54-0C7F-A683-5423-995B7802D828}"/>
               </a:ext>
             </a:extLst>
           </p:cNvPr>
@@ -2357,7 +2357,7 @@
           <p:cNvPr id="5" name="日期占位符 4">
             <a:extLst>
               <a:ext uri="{FF2B5EF4-FFF2-40B4-BE49-F238E27FC236}">
-                <a16:creationId xmlns:a16="http://schemas.microsoft.com/office/drawing/2014/main" id="{02E1AF69-DEFC-0D2D-5B9F-8910641E23FF}"/>
+                <a16:creationId xmlns:a16="http://schemas.microsoft.com/office/drawing/2014/main" id="{986B2FBC-4C33-D11E-B0C1-4C7E688FF9D4}"/>
               </a:ext>
             </a:extLst>
           </p:cNvPr>
@@ -2373,7 +2373,7 @@
           <a:bodyPr/>
           <a:lstStyle/>
           <a:p>
-            <a:fld id="{4AB781C3-1CB2-4BC6-826A-9989A95DB249}" type="datetimeFigureOut">
+            <a:fld id="{8A7407A1-040C-4A45-AD87-5AE795760CAC}" type="datetimeFigureOut">
               <a:rPr lang="zh-CN" altLang="en-US" smtClean="0"/>
               <a:t>2024/3/10</a:t>
             </a:fld>
@@ -2386,7 +2386,7 @@
           <p:cNvPr id="6" name="页脚占位符 5">
             <a:extLst>
               <a:ext uri="{FF2B5EF4-FFF2-40B4-BE49-F238E27FC236}">
-                <a16:creationId xmlns:a16="http://schemas.microsoft.com/office/drawing/2014/main" id="{AD86317F-85BB-DC93-DB82-34B506D1D79B}"/>
+                <a16:creationId xmlns:a16="http://schemas.microsoft.com/office/drawing/2014/main" id="{4BBFE84C-015B-4153-8F6D-F5F0452C813D}"/>
               </a:ext>
             </a:extLst>
           </p:cNvPr>
@@ -2411,7 +2411,7 @@
           <p:cNvPr id="7" name="灯片编号占位符 6">
             <a:extLst>
               <a:ext uri="{FF2B5EF4-FFF2-40B4-BE49-F238E27FC236}">
-                <a16:creationId xmlns:a16="http://schemas.microsoft.com/office/drawing/2014/main" id="{2419DE8E-A0CD-F323-38F9-A34A77BAE84E}"/>
+                <a16:creationId xmlns:a16="http://schemas.microsoft.com/office/drawing/2014/main" id="{F44701B6-7FD3-5F64-A6E1-C859E28E7BBB}"/>
               </a:ext>
             </a:extLst>
           </p:cNvPr>
@@ -2427,7 +2427,7 @@
           <a:bodyPr/>
           <a:lstStyle/>
           <a:p>
-            <a:fld id="{893258E6-480B-4994-8929-CE98691D8792}" type="slidenum">
+            <a:fld id="{384AEE10-70CB-4E96-BC34-9916B252776B}" type="slidenum">
               <a:rPr lang="zh-CN" altLang="en-US" smtClean="0"/>
               <a:t>‹#›</a:t>
             </a:fld>
@@ -2438,7 +2438,7 @@
     </p:spTree>
     <p:extLst>
       <p:ext uri="{BB962C8B-B14F-4D97-AF65-F5344CB8AC3E}">
-        <p14:creationId xmlns:p14="http://schemas.microsoft.com/office/powerpoint/2010/main" val="1770551127"/>
+        <p14:creationId xmlns:p14="http://schemas.microsoft.com/office/powerpoint/2010/main" val="2284406095"/>
       </p:ext>
     </p:extLst>
   </p:cSld>
@@ -2470,7 +2470,7 @@
           <p:cNvPr id="2" name="标题 1">
             <a:extLst>
               <a:ext uri="{FF2B5EF4-FFF2-40B4-BE49-F238E27FC236}">
-                <a16:creationId xmlns:a16="http://schemas.microsoft.com/office/drawing/2014/main" id="{30B2EF38-D7C4-A1FD-1658-759D9363752E}"/>
+                <a16:creationId xmlns:a16="http://schemas.microsoft.com/office/drawing/2014/main" id="{417D9608-ED49-CDB0-A41A-E4C6746F1034}"/>
               </a:ext>
             </a:extLst>
           </p:cNvPr>
@@ -2507,7 +2507,7 @@
           <p:cNvPr id="3" name="图片占位符 2">
             <a:extLst>
               <a:ext uri="{FF2B5EF4-FFF2-40B4-BE49-F238E27FC236}">
-                <a16:creationId xmlns:a16="http://schemas.microsoft.com/office/drawing/2014/main" id="{939F5A3D-8713-B0A9-FC9E-CDB19B9710A1}"/>
+                <a16:creationId xmlns:a16="http://schemas.microsoft.com/office/drawing/2014/main" id="{89B32354-FCA7-7F69-96EE-13A6A7A4EED2}"/>
               </a:ext>
             </a:extLst>
           </p:cNvPr>
@@ -2574,7 +2574,7 @@
           <p:cNvPr id="4" name="文本占位符 3">
             <a:extLst>
               <a:ext uri="{FF2B5EF4-FFF2-40B4-BE49-F238E27FC236}">
-                <a16:creationId xmlns:a16="http://schemas.microsoft.com/office/drawing/2014/main" id="{BF8A68D2-7D79-A63F-74E9-0EE0925305A2}"/>
+                <a16:creationId xmlns:a16="http://schemas.microsoft.com/office/drawing/2014/main" id="{6B97F5EB-16FB-9951-7E81-C07310792308}"/>
               </a:ext>
             </a:extLst>
           </p:cNvPr>
@@ -2645,7 +2645,7 @@
           <p:cNvPr id="5" name="日期占位符 4">
             <a:extLst>
               <a:ext uri="{FF2B5EF4-FFF2-40B4-BE49-F238E27FC236}">
-                <a16:creationId xmlns:a16="http://schemas.microsoft.com/office/drawing/2014/main" id="{56441A9C-D67F-3055-485A-9345C53CEA4C}"/>
+                <a16:creationId xmlns:a16="http://schemas.microsoft.com/office/drawing/2014/main" id="{33621B72-8D5C-51CF-F37D-444614E949CA}"/>
               </a:ext>
             </a:extLst>
           </p:cNvPr>
@@ -2661,7 +2661,7 @@
           <a:bodyPr/>
           <a:lstStyle/>
           <a:p>
-            <a:fld id="{4AB781C3-1CB2-4BC6-826A-9989A95DB249}" type="datetimeFigureOut">
+            <a:fld id="{8A7407A1-040C-4A45-AD87-5AE795760CAC}" type="datetimeFigureOut">
               <a:rPr lang="zh-CN" altLang="en-US" smtClean="0"/>
               <a:t>2024/3/10</a:t>
             </a:fld>
@@ -2674,7 +2674,7 @@
           <p:cNvPr id="6" name="页脚占位符 5">
             <a:extLst>
               <a:ext uri="{FF2B5EF4-FFF2-40B4-BE49-F238E27FC236}">
-                <a16:creationId xmlns:a16="http://schemas.microsoft.com/office/drawing/2014/main" id="{7F9D1BB0-D2FE-9AB6-C91A-4873AFE218D9}"/>
+                <a16:creationId xmlns:a16="http://schemas.microsoft.com/office/drawing/2014/main" id="{5BC46D40-89E1-39DC-75EB-170C90E8C736}"/>
               </a:ext>
             </a:extLst>
           </p:cNvPr>
@@ -2699,7 +2699,7 @@
           <p:cNvPr id="7" name="灯片编号占位符 6">
             <a:extLst>
               <a:ext uri="{FF2B5EF4-FFF2-40B4-BE49-F238E27FC236}">
-                <a16:creationId xmlns:a16="http://schemas.microsoft.com/office/drawing/2014/main" id="{CBFA5ED5-6B59-E20E-3EE3-3CE06C045C2F}"/>
+                <a16:creationId xmlns:a16="http://schemas.microsoft.com/office/drawing/2014/main" id="{C60FCF4D-D845-9109-2084-99E88F4805C3}"/>
               </a:ext>
             </a:extLst>
           </p:cNvPr>
@@ -2715,7 +2715,7 @@
           <a:bodyPr/>
           <a:lstStyle/>
           <a:p>
-            <a:fld id="{893258E6-480B-4994-8929-CE98691D8792}" type="slidenum">
+            <a:fld id="{384AEE10-70CB-4E96-BC34-9916B252776B}" type="slidenum">
               <a:rPr lang="zh-CN" altLang="en-US" smtClean="0"/>
               <a:t>‹#›</a:t>
             </a:fld>
@@ -2726,7 +2726,7 @@
     </p:spTree>
     <p:extLst>
       <p:ext uri="{BB962C8B-B14F-4D97-AF65-F5344CB8AC3E}">
-        <p14:creationId xmlns:p14="http://schemas.microsoft.com/office/powerpoint/2010/main" val="146249571"/>
+        <p14:creationId xmlns:p14="http://schemas.microsoft.com/office/powerpoint/2010/main" val="3818702240"/>
       </p:ext>
     </p:extLst>
   </p:cSld>
@@ -2763,7 +2763,7 @@
           <p:cNvPr id="2" name="标题占位符 1">
             <a:extLst>
               <a:ext uri="{FF2B5EF4-FFF2-40B4-BE49-F238E27FC236}">
-                <a16:creationId xmlns:a16="http://schemas.microsoft.com/office/drawing/2014/main" id="{03431FBA-F091-281D-E434-FD74A1BBCB4D}"/>
+                <a16:creationId xmlns:a16="http://schemas.microsoft.com/office/drawing/2014/main" id="{D81357D4-39C1-AEE9-31F0-34D96D59DF34}"/>
               </a:ext>
             </a:extLst>
           </p:cNvPr>
@@ -2801,7 +2801,7 @@
           <p:cNvPr id="3" name="文本占位符 2">
             <a:extLst>
               <a:ext uri="{FF2B5EF4-FFF2-40B4-BE49-F238E27FC236}">
-                <a16:creationId xmlns:a16="http://schemas.microsoft.com/office/drawing/2014/main" id="{1555A223-3AA8-E63F-0565-F1DEB23C102F}"/>
+                <a16:creationId xmlns:a16="http://schemas.microsoft.com/office/drawing/2014/main" id="{193ACDE3-9A68-AE96-382C-FFF0869B2154}"/>
               </a:ext>
             </a:extLst>
           </p:cNvPr>
@@ -2868,7 +2868,7 @@
           <p:cNvPr id="4" name="日期占位符 3">
             <a:extLst>
               <a:ext uri="{FF2B5EF4-FFF2-40B4-BE49-F238E27FC236}">
-                <a16:creationId xmlns:a16="http://schemas.microsoft.com/office/drawing/2014/main" id="{119A6430-5A4A-3DC0-E687-5B8894E3E52A}"/>
+                <a16:creationId xmlns:a16="http://schemas.microsoft.com/office/drawing/2014/main" id="{D89EA515-58D1-5349-BA48-DE11E9F672D7}"/>
               </a:ext>
             </a:extLst>
           </p:cNvPr>
@@ -2902,7 +2902,7 @@
             </a:lvl1pPr>
           </a:lstStyle>
           <a:p>
-            <a:fld id="{4AB781C3-1CB2-4BC6-826A-9989A95DB249}" type="datetimeFigureOut">
+            <a:fld id="{8A7407A1-040C-4A45-AD87-5AE795760CAC}" type="datetimeFigureOut">
               <a:rPr lang="zh-CN" altLang="en-US" smtClean="0"/>
               <a:t>2024/3/10</a:t>
             </a:fld>
@@ -2915,7 +2915,7 @@
           <p:cNvPr id="5" name="页脚占位符 4">
             <a:extLst>
               <a:ext uri="{FF2B5EF4-FFF2-40B4-BE49-F238E27FC236}">
-                <a16:creationId xmlns:a16="http://schemas.microsoft.com/office/drawing/2014/main" id="{BC7B2DB1-70A7-1FD0-219E-EC21AF59A1FD}"/>
+                <a16:creationId xmlns:a16="http://schemas.microsoft.com/office/drawing/2014/main" id="{F2EB11D1-2EE7-AD35-7F0C-37366A3D4832}"/>
               </a:ext>
             </a:extLst>
           </p:cNvPr>
@@ -2958,7 +2958,7 @@
           <p:cNvPr id="6" name="灯片编号占位符 5">
             <a:extLst>
               <a:ext uri="{FF2B5EF4-FFF2-40B4-BE49-F238E27FC236}">
-                <a16:creationId xmlns:a16="http://schemas.microsoft.com/office/drawing/2014/main" id="{0C7CD337-08E2-A3A6-0C79-EBB7BB336D18}"/>
+                <a16:creationId xmlns:a16="http://schemas.microsoft.com/office/drawing/2014/main" id="{77B7D84E-B9E2-9C26-DC6B-8125F32D6898}"/>
               </a:ext>
             </a:extLst>
           </p:cNvPr>
@@ -2992,7 +2992,7 @@
             </a:lvl1pPr>
           </a:lstStyle>
           <a:p>
-            <a:fld id="{893258E6-480B-4994-8929-CE98691D8792}" type="slidenum">
+            <a:fld id="{384AEE10-70CB-4E96-BC34-9916B252776B}" type="slidenum">
               <a:rPr lang="zh-CN" altLang="en-US" smtClean="0"/>
               <a:t>‹#›</a:t>
             </a:fld>
@@ -3003,7 +3003,7 @@
     </p:spTree>
     <p:extLst>
       <p:ext uri="{BB962C8B-B14F-4D97-AF65-F5344CB8AC3E}">
-        <p14:creationId xmlns:p14="http://schemas.microsoft.com/office/powerpoint/2010/main" val="682473482"/>
+        <p14:creationId xmlns:p14="http://schemas.microsoft.com/office/powerpoint/2010/main" val="452054393"/>
       </p:ext>
     </p:extLst>
   </p:cSld>
@@ -3323,7 +3323,7 @@
       </p:grpSpPr>
       <p:pic>
         <p:nvPicPr>
-          <p:cNvPr id="1446914" name="Picture 2" descr="1412"/>
+          <p:cNvPr id="1447938" name="Picture 2" descr="1413"/>
           <p:cNvPicPr>
             <a:picLocks noChangeAspect="1" noChangeArrowheads="1"/>
           </p:cNvPicPr>
@@ -3344,8 +3344,8 @@
         </p:blipFill>
         <p:spPr bwMode="auto">
           <a:xfrm>
-            <a:off x="1543050" y="1"/>
-            <a:ext cx="9124950" cy="4868863"/>
+            <a:off x="1524000" y="1589"/>
+            <a:ext cx="9144000" cy="6092825"/>
           </a:xfrm>
           <a:prstGeom prst="rect">
             <a:avLst/>
